--- a/Courses/Computer-Modeling-and-IT/Computer-Modeling-and-IT-5-Class/01-Intro-to-IT/01-Intro-to-IT.pptx
+++ b/Courses/Computer-Modeling-and-IT/Computer-Modeling-and-IT-5-Class/01-Intro-to-IT/01-Intro-to-IT.pptx
@@ -297,7 +297,7 @@
           <a:p>
             <a:fld id="{4E087215-0C8F-4762-A664-737A353EC9A4}" type="datetimeFigureOut">
               <a:rPr lang="bg-BG" smtClean="0"/>
-              <a:t>23.06.23 г.</a:t>
+              <a:t>26.6.2023 г.</a:t>
             </a:fld>
             <a:endParaRPr lang="bg-BG"/>
           </a:p>
@@ -474,7 +474,7 @@
           <a:p>
             <a:fld id="{72D84649-876A-46C9-8472-14CB09C070D8}" type="datetimeFigureOut">
               <a:rPr lang="en-US" smtClean="0"/>
-              <a:t>6/23/23</a:t>
+              <a:t>6/26/2023</a:t>
             </a:fld>
             <a:endParaRPr lang="en-US"/>
           </a:p>
@@ -3071,7 +3071,7 @@
             <a:fld id="{055373AC-9AA7-423B-BA00-BA1C74164DBD}" type="datetime1">
               <a:rPr lang="en-US" smtClean="0"/>
               <a:pPr/>
-              <a:t>6/23/23</a:t>
+              <a:t>6/26/2023</a:t>
             </a:fld>
             <a:endParaRPr lang="en-US" dirty="0"/>
           </a:p>
@@ -3750,7 +3750,7 @@
             <a:fld id="{055373AC-9AA7-423B-BA00-BA1C74164DBD}" type="datetime1">
               <a:rPr lang="en-US" smtClean="0"/>
               <a:pPr/>
-              <a:t>6/23/23</a:t>
+              <a:t>6/26/2023</a:t>
             </a:fld>
             <a:endParaRPr lang="en-US" dirty="0"/>
           </a:p>
@@ -4245,7 +4245,7 @@
             <a:fld id="{055373AC-9AA7-423B-BA00-BA1C74164DBD}" type="datetime1">
               <a:rPr lang="en-US" smtClean="0"/>
               <a:pPr/>
-              <a:t>6/23/23</a:t>
+              <a:t>6/26/2023</a:t>
             </a:fld>
             <a:endParaRPr lang="en-US" dirty="0"/>
           </a:p>
@@ -6355,7 +6355,7 @@
             <a:fld id="{055373AC-9AA7-423B-BA00-BA1C74164DBD}" type="datetime1">
               <a:rPr lang="en-US" smtClean="0"/>
               <a:pPr/>
-              <a:t>6/23/23</a:t>
+              <a:t>6/26/2023</a:t>
             </a:fld>
             <a:endParaRPr lang="en-US" dirty="0"/>
           </a:p>
@@ -7694,7 +7694,7 @@
             <a:fld id="{055373AC-9AA7-423B-BA00-BA1C74164DBD}" type="datetime1">
               <a:rPr lang="en-US" smtClean="0"/>
               <a:pPr/>
-              <a:t>6/23/23</a:t>
+              <a:t>6/26/2023</a:t>
             </a:fld>
             <a:endParaRPr lang="en-US" dirty="0"/>
           </a:p>
@@ -8774,7 +8774,7 @@
             <a:fld id="{055373AC-9AA7-423B-BA00-BA1C74164DBD}" type="datetime1">
               <a:rPr lang="en-US" smtClean="0"/>
               <a:pPr/>
-              <a:t>6/23/23</a:t>
+              <a:t>6/26/2023</a:t>
             </a:fld>
             <a:endParaRPr lang="en-US" dirty="0"/>
           </a:p>
@@ -9186,7 +9186,7 @@
             <a:fld id="{055373AC-9AA7-423B-BA00-BA1C74164DBD}" type="datetime1">
               <a:rPr lang="en-US" smtClean="0"/>
               <a:pPr/>
-              <a:t>6/23/23</a:t>
+              <a:t>6/26/2023</a:t>
             </a:fld>
             <a:endParaRPr lang="en-US" dirty="0"/>
           </a:p>
@@ -9556,7 +9556,7 @@
             <a:fld id="{055373AC-9AA7-423B-BA00-BA1C74164DBD}" type="datetime1">
               <a:rPr lang="en-US" smtClean="0"/>
               <a:pPr/>
-              <a:t>6/23/23</a:t>
+              <a:t>6/26/2023</a:t>
             </a:fld>
             <a:endParaRPr lang="en-US" dirty="0"/>
           </a:p>
@@ -10224,7 +10224,7 @@
             <a:fld id="{055373AC-9AA7-423B-BA00-BA1C74164DBD}" type="datetime1">
               <a:rPr lang="en-US" smtClean="0"/>
               <a:pPr/>
-              <a:t>6/23/23</a:t>
+              <a:t>6/26/2023</a:t>
             </a:fld>
             <a:endParaRPr lang="en-US" dirty="0"/>
           </a:p>
@@ -10432,7 +10432,7 @@
             <a:fld id="{055373AC-9AA7-423B-BA00-BA1C74164DBD}" type="datetime1">
               <a:rPr lang="en-US" smtClean="0"/>
               <a:pPr/>
-              <a:t>6/23/23</a:t>
+              <a:t>6/26/2023</a:t>
             </a:fld>
             <a:endParaRPr lang="en-US" dirty="0"/>
           </a:p>
@@ -11006,26 +11006,23 @@
         </p:spPr>
         <p:txBody>
           <a:bodyPr>
-            <a:normAutofit fontScale="85000" lnSpcReduction="20000"/>
+            <a:normAutofit/>
           </a:bodyPr>
           <a:lstStyle/>
           <a:p>
             <a:r>
-              <a:rPr lang="bg-BG" dirty="0">
-                <a:highlight>
-                  <a:srgbClr val="FFFF00"/>
-                </a:highlight>
-              </a:rPr>
-              <a:t>Въведение в информационните технологии и компютърните системи</a:t>
-            </a:r>
-            <a:endParaRPr lang="en-US" dirty="0">
-              <a:solidFill>
-                <a:srgbClr val="234465"/>
-              </a:solidFill>
-              <a:highlight>
-                <a:srgbClr val="FFFF00"/>
-              </a:highlight>
-            </a:endParaRPr>
+              <a:rPr lang="bg-BG" dirty="0" smtClean="0"/>
+              <a:t>Хардуер</a:t>
+            </a:r>
+            <a:r>
+              <a:rPr lang="bg-BG" dirty="0"/>
+              <a:t> </a:t>
+            </a:r>
+            <a:r>
+              <a:rPr lang="bg-BG" dirty="0" smtClean="0"/>
+              <a:t>и софтуер. Правила за безопасност</a:t>
+            </a:r>
+            <a:endParaRPr lang="en-US" dirty="0"/>
           </a:p>
         </p:txBody>
       </p:sp>
@@ -11214,6 +11211,13 @@
       <p:transition spd="slow" advClick="0" advTm="5000"/>
     </mc:Fallback>
   </mc:AlternateContent>
+  <p:timing>
+    <p:tnLst>
+      <p:par>
+        <p:cTn id="1" dur="indefinite" restart="never" nodeType="tmRoot"/>
+      </p:par>
+    </p:tnLst>
+  </p:timing>
 </p:sld>
 </file>
 
@@ -13636,6 +13640,13 @@
       <p:transition spd="slow" advClick="0" advTm="5000"/>
     </mc:Fallback>
   </mc:AlternateContent>
+  <p:timing>
+    <p:tnLst>
+      <p:par>
+        <p:cTn id="1" dur="indefinite" restart="never" nodeType="tmRoot"/>
+      </p:par>
+    </p:tnLst>
+  </p:timing>
 </p:sld>
 </file>
 
@@ -15357,6 +15368,13 @@
       <p:transition spd="slow" advClick="0" advTm="5000"/>
     </mc:Fallback>
   </mc:AlternateContent>
+  <p:timing>
+    <p:tnLst>
+      <p:par>
+        <p:cTn id="1" dur="indefinite" restart="never" nodeType="tmRoot"/>
+      </p:par>
+    </p:tnLst>
+  </p:timing>
 </p:sld>
 </file>
 
@@ -15555,6 +15573,13 @@
       <p:transition spd="slow" advClick="0" advTm="5000"/>
     </mc:Fallback>
   </mc:AlternateContent>
+  <p:timing>
+    <p:tnLst>
+      <p:par>
+        <p:cTn id="1" dur="indefinite" restart="never" nodeType="tmRoot"/>
+      </p:par>
+    </p:tnLst>
+  </p:timing>
 </p:sld>
 </file>
 
@@ -16193,6 +16218,13 @@
       <p:transition spd="slow" advClick="0" advTm="5000"/>
     </mc:Fallback>
   </mc:AlternateContent>
+  <p:timing>
+    <p:tnLst>
+      <p:par>
+        <p:cTn id="1" dur="indefinite" restart="never" nodeType="tmRoot"/>
+      </p:par>
+    </p:tnLst>
+  </p:timing>
 </p:sld>
 </file>
 
@@ -17130,6 +17162,13 @@
       <p:transition spd="slow" advClick="0" advTm="5000"/>
     </mc:Fallback>
   </mc:AlternateContent>
+  <p:timing>
+    <p:tnLst>
+      <p:par>
+        <p:cTn id="1" dur="indefinite" restart="never" nodeType="tmRoot"/>
+      </p:par>
+    </p:tnLst>
+  </p:timing>
 </p:sld>
 </file>
 
@@ -17364,82 +17403,30 @@
           </a:p>
         </p:txBody>
       </p:sp>
-      <p:sp>
-        <p:nvSpPr>
-          <p:cNvPr id="2" name="Rectangle 1">
-            <a:extLst>
-              <a:ext uri="{FF2B5EF4-FFF2-40B4-BE49-F238E27FC236}">
-                <a16:creationId xmlns:a16="http://schemas.microsoft.com/office/drawing/2014/main" id="{234C2441-1D90-682E-75D8-7C25D12B8B5A}"/>
-              </a:ext>
-            </a:extLst>
-          </p:cNvPr>
-          <p:cNvSpPr/>
+      <p:pic>
+        <p:nvPicPr>
+          <p:cNvPr id="7" name="Картина 6"/>
+          <p:cNvPicPr>
+            <a:picLocks noChangeAspect="1"/>
+          </p:cNvPicPr>
           <p:nvPr/>
-        </p:nvSpPr>
-        <p:spPr bwMode="auto">
+        </p:nvPicPr>
+        <p:blipFill>
+          <a:blip r:embed="rId3"/>
+          <a:stretch>
+            <a:fillRect/>
+          </a:stretch>
+        </p:blipFill>
+        <p:spPr>
           <a:xfrm>
-            <a:off x="5440680" y="4059936"/>
-            <a:ext cx="5001768" cy="2337260"/>
+            <a:off x="5496704" y="3928128"/>
+            <a:ext cx="4586843" cy="2290675"/>
           </a:xfrm>
           <a:prstGeom prst="rect">
             <a:avLst/>
           </a:prstGeom>
-          <a:solidFill>
-            <a:srgbClr val="FFFF00">
-              <a:alpha val="80000"/>
-            </a:srgbClr>
-          </a:solidFill>
-          <a:ln w="19050">
-            <a:solidFill>
-              <a:schemeClr val="tx1">
-                <a:lumMod val="75000"/>
-                <a:alpha val="80000"/>
-              </a:schemeClr>
-            </a:solidFill>
-          </a:ln>
-          <a:effectLst/>
         </p:spPr>
-        <p:style>
-          <a:lnRef idx="2">
-            <a:schemeClr val="accent1">
-              <a:shade val="50000"/>
-            </a:schemeClr>
-          </a:lnRef>
-          <a:fillRef idx="1001">
-            <a:schemeClr val="dk2"/>
-          </a:fillRef>
-          <a:effectRef idx="0">
-            <a:schemeClr val="accent1"/>
-          </a:effectRef>
-          <a:fontRef idx="minor">
-            <a:schemeClr val="lt1"/>
-          </a:fontRef>
-        </p:style>
-        <p:txBody>
-          <a:bodyPr rot="0" spcFirstLastPara="0" vertOverflow="overflow" horzOverflow="overflow" vert="horz" wrap="square" lIns="91440" tIns="45720" rIns="91440" bIns="45720" numCol="1" spcCol="0" rtlCol="0" fromWordArt="0" anchor="ctr" anchorCtr="0" forceAA="0" compatLnSpc="1">
-            <a:prstTxWarp prst="textNoShape">
-              <a:avLst/>
-            </a:prstTxWarp>
-            <a:noAutofit/>
-          </a:bodyPr>
-          <a:lstStyle/>
-          <a:p>
-            <a:pPr algn="ctr"/>
-            <a:endParaRPr lang="en-BG" sz="2800" b="1" dirty="0">
-              <a:solidFill>
-                <a:srgbClr val="FFFFFF"/>
-              </a:solidFill>
-              <a:effectLst>
-                <a:outerShdw blurRad="38100" dist="38100" dir="2700000" algn="tl">
-                  <a:srgbClr val="000000">
-                    <a:alpha val="43137"/>
-                  </a:srgbClr>
-                </a:outerShdw>
-              </a:effectLst>
-            </a:endParaRPr>
-          </a:p>
-        </p:txBody>
-      </p:sp>
+      </p:pic>
     </p:spTree>
     <p:extLst>
       <p:ext uri="{BB962C8B-B14F-4D97-AF65-F5344CB8AC3E}">
@@ -17546,6 +17533,51 @@
                                               <p:pRg st="2" end="2"/>
                                             </p:txEl>
                                           </p:spTgt>
+                                        </p:tgtEl>
+                                        <p:attrNameLst>
+                                          <p:attrName>style.visibility</p:attrName>
+                                        </p:attrNameLst>
+                                      </p:cBhvr>
+                                      <p:to>
+                                        <p:strVal val="visible"/>
+                                      </p:to>
+                                    </p:set>
+                                  </p:childTnLst>
+                                </p:cTn>
+                              </p:par>
+                            </p:childTnLst>
+                          </p:cTn>
+                        </p:par>
+                      </p:childTnLst>
+                    </p:cTn>
+                  </p:par>
+                  <p:par>
+                    <p:cTn id="11" fill="hold">
+                      <p:stCondLst>
+                        <p:cond delay="indefinite"/>
+                      </p:stCondLst>
+                      <p:childTnLst>
+                        <p:par>
+                          <p:cTn id="12" fill="hold">
+                            <p:stCondLst>
+                              <p:cond delay="0"/>
+                            </p:stCondLst>
+                            <p:childTnLst>
+                              <p:par>
+                                <p:cTn id="13" presetID="1" presetClass="entr" presetSubtype="0" fill="hold" nodeType="clickEffect">
+                                  <p:stCondLst>
+                                    <p:cond delay="0"/>
+                                  </p:stCondLst>
+                                  <p:childTnLst>
+                                    <p:set>
+                                      <p:cBhvr>
+                                        <p:cTn id="14" dur="1" fill="hold">
+                                          <p:stCondLst>
+                                            <p:cond delay="0"/>
+                                          </p:stCondLst>
+                                        </p:cTn>
+                                        <p:tgtEl>
+                                          <p:spTgt spid="7"/>
                                         </p:tgtEl>
                                         <p:attrNameLst>
                                           <p:attrName>style.visibility</p:attrName>

--- a/Courses/Computer-Modeling-and-IT/Computer-Modeling-and-IT-5-Class/01-Intro-to-IT/01-Intro-to-IT.pptx
+++ b/Courses/Computer-Modeling-and-IT/Computer-Modeling-and-IT-5-Class/01-Intro-to-IT/01-Intro-to-IT.pptx
@@ -5,10 +5,10 @@
     <p:sldMasterId id="2147483675" r:id="rId1"/>
   </p:sldMasterIdLst>
   <p:notesMasterIdLst>
-    <p:notesMasterId r:id="rId20"/>
+    <p:notesMasterId r:id="rId21"/>
   </p:notesMasterIdLst>
   <p:handoutMasterIdLst>
-    <p:handoutMasterId r:id="rId21"/>
+    <p:handoutMasterId r:id="rId22"/>
   </p:handoutMasterIdLst>
   <p:sldIdLst>
     <p:sldId id="274" r:id="rId2"/>
@@ -24,11 +24,12 @@
     <p:sldId id="615" r:id="rId12"/>
     <p:sldId id="616" r:id="rId13"/>
     <p:sldId id="619" r:id="rId14"/>
-    <p:sldId id="592" r:id="rId15"/>
-    <p:sldId id="593" r:id="rId16"/>
-    <p:sldId id="586" r:id="rId17"/>
-    <p:sldId id="528" r:id="rId18"/>
-    <p:sldId id="400" r:id="rId19"/>
+    <p:sldId id="621" r:id="rId15"/>
+    <p:sldId id="592" r:id="rId16"/>
+    <p:sldId id="593" r:id="rId17"/>
+    <p:sldId id="586" r:id="rId18"/>
+    <p:sldId id="528" r:id="rId19"/>
+    <p:sldId id="400" r:id="rId20"/>
   </p:sldIdLst>
   <p:sldSz cx="12192000" cy="6858000"/>
   <p:notesSz cx="6858000" cy="9144000"/>
@@ -153,6 +154,7 @@
             <p14:sldId id="615"/>
             <p14:sldId id="616"/>
             <p14:sldId id="619"/>
+            <p14:sldId id="621"/>
           </p14:sldIdLst>
         </p14:section>
         <p14:section name="Правила за безопасна работа" id="{FF78C96D-2705-4081-93D6-FDF89C9A3D2B}">
@@ -297,7 +299,7 @@
           <a:p>
             <a:fld id="{4E087215-0C8F-4762-A664-737A353EC9A4}" type="datetimeFigureOut">
               <a:rPr lang="bg-BG" smtClean="0"/>
-              <a:t>26.6.2023 г.</a:t>
+              <a:t>3.7.2023 г.</a:t>
             </a:fld>
             <a:endParaRPr lang="bg-BG"/>
           </a:p>
@@ -474,7 +476,7 @@
           <a:p>
             <a:fld id="{72D84649-876A-46C9-8472-14CB09C070D8}" type="datetimeFigureOut">
               <a:rPr lang="en-US" smtClean="0"/>
-              <a:t>6/26/2023</a:t>
+              <a:t>7/3/2023</a:t>
             </a:fld>
             <a:endParaRPr lang="en-US"/>
           </a:p>
@@ -1623,7 +1625,7 @@
             <a:fld id="{3EBA5BD7-F043-4D1B-AA17-CD412FC534DE}" type="slidenum">
               <a:rPr lang="en-US" smtClean="0"/>
               <a:pPr/>
-              <a:t>16</a:t>
+              <a:t>17</a:t>
             </a:fld>
             <a:endParaRPr lang="en-US" dirty="0"/>
           </a:p>
@@ -1787,7 +1789,7 @@
                 </a:solidFill>
               </a:rPr>
               <a:pPr/>
-              <a:t>17</a:t>
+              <a:t>18</a:t>
             </a:fld>
             <a:endParaRPr lang="en-US" dirty="0">
               <a:solidFill>
@@ -1925,7 +1927,7 @@
             <a:fld id="{3EBA5BD7-F043-4D1B-AA17-CD412FC534DE}" type="slidenum">
               <a:rPr lang="en-US" smtClean="0"/>
               <a:pPr/>
-              <a:t>18</a:t>
+              <a:t>19</a:t>
             </a:fld>
             <a:endParaRPr lang="en-US" dirty="0"/>
           </a:p>
@@ -3071,7 +3073,7 @@
             <a:fld id="{055373AC-9AA7-423B-BA00-BA1C74164DBD}" type="datetime1">
               <a:rPr lang="en-US" smtClean="0"/>
               <a:pPr/>
-              <a:t>6/26/2023</a:t>
+              <a:t>7/3/2023</a:t>
             </a:fld>
             <a:endParaRPr lang="en-US" dirty="0"/>
           </a:p>
@@ -3750,7 +3752,7 @@
             <a:fld id="{055373AC-9AA7-423B-BA00-BA1C74164DBD}" type="datetime1">
               <a:rPr lang="en-US" smtClean="0"/>
               <a:pPr/>
-              <a:t>6/26/2023</a:t>
+              <a:t>7/3/2023</a:t>
             </a:fld>
             <a:endParaRPr lang="en-US" dirty="0"/>
           </a:p>
@@ -4245,7 +4247,7 @@
             <a:fld id="{055373AC-9AA7-423B-BA00-BA1C74164DBD}" type="datetime1">
               <a:rPr lang="en-US" smtClean="0"/>
               <a:pPr/>
-              <a:t>6/26/2023</a:t>
+              <a:t>7/3/2023</a:t>
             </a:fld>
             <a:endParaRPr lang="en-US" dirty="0"/>
           </a:p>
@@ -6355,7 +6357,7 @@
             <a:fld id="{055373AC-9AA7-423B-BA00-BA1C74164DBD}" type="datetime1">
               <a:rPr lang="en-US" smtClean="0"/>
               <a:pPr/>
-              <a:t>6/26/2023</a:t>
+              <a:t>7/3/2023</a:t>
             </a:fld>
             <a:endParaRPr lang="en-US" dirty="0"/>
           </a:p>
@@ -7694,7 +7696,7 @@
             <a:fld id="{055373AC-9AA7-423B-BA00-BA1C74164DBD}" type="datetime1">
               <a:rPr lang="en-US" smtClean="0"/>
               <a:pPr/>
-              <a:t>6/26/2023</a:t>
+              <a:t>7/3/2023</a:t>
             </a:fld>
             <a:endParaRPr lang="en-US" dirty="0"/>
           </a:p>
@@ -8774,7 +8776,7 @@
             <a:fld id="{055373AC-9AA7-423B-BA00-BA1C74164DBD}" type="datetime1">
               <a:rPr lang="en-US" smtClean="0"/>
               <a:pPr/>
-              <a:t>6/26/2023</a:t>
+              <a:t>7/3/2023</a:t>
             </a:fld>
             <a:endParaRPr lang="en-US" dirty="0"/>
           </a:p>
@@ -9186,7 +9188,7 @@
             <a:fld id="{055373AC-9AA7-423B-BA00-BA1C74164DBD}" type="datetime1">
               <a:rPr lang="en-US" smtClean="0"/>
               <a:pPr/>
-              <a:t>6/26/2023</a:t>
+              <a:t>7/3/2023</a:t>
             </a:fld>
             <a:endParaRPr lang="en-US" dirty="0"/>
           </a:p>
@@ -9556,7 +9558,7 @@
             <a:fld id="{055373AC-9AA7-423B-BA00-BA1C74164DBD}" type="datetime1">
               <a:rPr lang="en-US" smtClean="0"/>
               <a:pPr/>
-              <a:t>6/26/2023</a:t>
+              <a:t>7/3/2023</a:t>
             </a:fld>
             <a:endParaRPr lang="en-US" dirty="0"/>
           </a:p>
@@ -10224,7 +10226,7 @@
             <a:fld id="{055373AC-9AA7-423B-BA00-BA1C74164DBD}" type="datetime1">
               <a:rPr lang="en-US" smtClean="0"/>
               <a:pPr/>
-              <a:t>6/26/2023</a:t>
+              <a:t>7/3/2023</a:t>
             </a:fld>
             <a:endParaRPr lang="en-US" dirty="0"/>
           </a:p>
@@ -10432,7 +10434,7 @@
             <a:fld id="{055373AC-9AA7-423B-BA00-BA1C74164DBD}" type="datetime1">
               <a:rPr lang="en-US" smtClean="0"/>
               <a:pPr/>
-              <a:t>6/26/2023</a:t>
+              <a:t>7/3/2023</a:t>
             </a:fld>
             <a:endParaRPr lang="en-US" dirty="0"/>
           </a:p>
@@ -13507,6 +13509,1726 @@
       </p:grpSpPr>
       <p:sp>
         <p:nvSpPr>
+          <p:cNvPr id="3" name="Title 2">
+            <a:extLst>
+              <a:ext uri="{FF2B5EF4-FFF2-40B4-BE49-F238E27FC236}">
+                <a16:creationId xmlns:a16="http://schemas.microsoft.com/office/drawing/2014/main" id="{27817BFD-0CDA-523A-C2F3-DE6C6D7770A5}"/>
+              </a:ext>
+            </a:extLst>
+          </p:cNvPr>
+          <p:cNvSpPr>
+            <a:spLocks noGrp="1"/>
+          </p:cNvSpPr>
+          <p:nvPr>
+            <p:ph type="title"/>
+          </p:nvPr>
+        </p:nvSpPr>
+        <p:spPr/>
+        <p:txBody>
+          <a:bodyPr/>
+          <a:lstStyle/>
+          <a:p>
+            <a:r>
+              <a:rPr lang="bg-BG" dirty="0" smtClean="0"/>
+              <a:t>Обща схема на КС</a:t>
+            </a:r>
+            <a:endParaRPr lang="en-BG" dirty="0"/>
+          </a:p>
+        </p:txBody>
+      </p:sp>
+      <p:sp>
+        <p:nvSpPr>
+          <p:cNvPr id="4" name="Slide Number Placeholder 3">
+            <a:extLst>
+              <a:ext uri="{FF2B5EF4-FFF2-40B4-BE49-F238E27FC236}">
+                <a16:creationId xmlns:a16="http://schemas.microsoft.com/office/drawing/2014/main" id="{510E5DAE-4652-3614-18D6-9D579EEED8AC}"/>
+              </a:ext>
+            </a:extLst>
+          </p:cNvPr>
+          <p:cNvSpPr>
+            <a:spLocks noGrp="1"/>
+          </p:cNvSpPr>
+          <p:nvPr>
+            <p:ph type="sldNum" sz="quarter" idx="13"/>
+          </p:nvPr>
+        </p:nvSpPr>
+        <p:spPr/>
+        <p:txBody>
+          <a:bodyPr/>
+          <a:lstStyle/>
+          <a:p>
+            <a:pPr marL="0" marR="0" lvl="0" indent="0" algn="r" defTabSz="914400" rtl="0" eaLnBrk="1" fontAlgn="auto" latinLnBrk="0" hangingPunct="1">
+              <a:lnSpc>
+                <a:spcPct val="100000"/>
+              </a:lnSpc>
+              <a:spcBef>
+                <a:spcPts val="0"/>
+              </a:spcBef>
+              <a:spcAft>
+                <a:spcPts val="0"/>
+              </a:spcAft>
+              <a:buClrTx/>
+              <a:buSzTx/>
+              <a:buFontTx/>
+              <a:buNone/>
+              <a:tabLst/>
+              <a:defRPr/>
+            </a:pPr>
+            <a:fld id="{C014DD1E-5D91-48A3-AD6D-45FBA980D106}" type="slidenum">
+              <a:rPr kumimoji="0" lang="en-US" sz="1000" b="0" i="0" u="none" strike="noStrike" kern="1200" cap="none" spc="0" normalizeH="0" baseline="0" noProof="0" smtClean="0">
+                <a:ln>
+                  <a:noFill/>
+                </a:ln>
+                <a:solidFill>
+                  <a:srgbClr val="234465"/>
+                </a:solidFill>
+                <a:effectLst/>
+                <a:uLnTx/>
+                <a:uFillTx/>
+                <a:latin typeface="Calibri" panose="020F0502020204030204"/>
+                <a:ea typeface="+mn-ea"/>
+                <a:cs typeface="+mn-cs"/>
+              </a:rPr>
+              <a:pPr marL="0" marR="0" lvl="0" indent="0" algn="r" defTabSz="914400" rtl="0" eaLnBrk="1" fontAlgn="auto" latinLnBrk="0" hangingPunct="1">
+                <a:lnSpc>
+                  <a:spcPct val="100000"/>
+                </a:lnSpc>
+                <a:spcBef>
+                  <a:spcPts val="0"/>
+                </a:spcBef>
+                <a:spcAft>
+                  <a:spcPts val="0"/>
+                </a:spcAft>
+                <a:buClrTx/>
+                <a:buSzTx/>
+                <a:buFontTx/>
+                <a:buNone/>
+                <a:tabLst/>
+                <a:defRPr/>
+              </a:pPr>
+              <a:t>14</a:t>
+            </a:fld>
+            <a:endParaRPr kumimoji="0" lang="en-US" sz="1000" b="0" i="0" u="none" strike="noStrike" kern="1200" cap="none" spc="0" normalizeH="0" baseline="0" noProof="0" dirty="0">
+              <a:ln>
+                <a:noFill/>
+              </a:ln>
+              <a:solidFill>
+                <a:srgbClr val="234465"/>
+              </a:solidFill>
+              <a:effectLst/>
+              <a:uLnTx/>
+              <a:uFillTx/>
+              <a:latin typeface="Calibri" panose="020F0502020204030204"/>
+              <a:ea typeface="+mn-ea"/>
+              <a:cs typeface="+mn-cs"/>
+            </a:endParaRPr>
+          </a:p>
+        </p:txBody>
+      </p:sp>
+      <p:grpSp>
+        <p:nvGrpSpPr>
+          <p:cNvPr id="12" name="Групиране 11"/>
+          <p:cNvGrpSpPr/>
+          <p:nvPr/>
+        </p:nvGrpSpPr>
+        <p:grpSpPr>
+          <a:xfrm>
+            <a:off x="4956128" y="2572634"/>
+            <a:ext cx="2525152" cy="2525152"/>
+            <a:chOff x="5845125" y="2060917"/>
+            <a:chExt cx="2525152" cy="2525152"/>
+          </a:xfrm>
+        </p:grpSpPr>
+        <p:sp>
+          <p:nvSpPr>
+            <p:cNvPr id="9" name="Овал 8"/>
+            <p:cNvSpPr/>
+            <p:nvPr/>
+          </p:nvSpPr>
+          <p:spPr bwMode="auto">
+            <a:xfrm>
+              <a:off x="5845125" y="2060917"/>
+              <a:ext cx="2525152" cy="2525152"/>
+            </a:xfrm>
+            <a:prstGeom prst="ellipse">
+              <a:avLst/>
+            </a:prstGeom>
+            <a:solidFill>
+              <a:schemeClr val="tx1">
+                <a:lumMod val="20000"/>
+                <a:lumOff val="80000"/>
+                <a:alpha val="80000"/>
+              </a:schemeClr>
+            </a:solidFill>
+            <a:ln w="19050">
+              <a:solidFill>
+                <a:schemeClr val="tx1">
+                  <a:lumMod val="75000"/>
+                  <a:alpha val="80000"/>
+                </a:schemeClr>
+              </a:solidFill>
+            </a:ln>
+            <a:effectLst/>
+          </p:spPr>
+          <p:style>
+            <a:lnRef idx="2">
+              <a:schemeClr val="accent1">
+                <a:shade val="50000"/>
+              </a:schemeClr>
+            </a:lnRef>
+            <a:fillRef idx="1001">
+              <a:schemeClr val="dk2"/>
+            </a:fillRef>
+            <a:effectRef idx="0">
+              <a:schemeClr val="accent1"/>
+            </a:effectRef>
+            <a:fontRef idx="minor">
+              <a:schemeClr val="lt1"/>
+            </a:fontRef>
+          </p:style>
+          <p:txBody>
+            <a:bodyPr rot="0" spcFirstLastPara="0" vertOverflow="overflow" horzOverflow="overflow" vert="horz" wrap="square" lIns="91440" tIns="45720" rIns="91440" bIns="45720" numCol="1" spcCol="0" rtlCol="0" fromWordArt="0" anchor="ctr" anchorCtr="0" forceAA="0" compatLnSpc="1">
+              <a:prstTxWarp prst="textNoShape">
+                <a:avLst/>
+              </a:prstTxWarp>
+              <a:noAutofit/>
+            </a:bodyPr>
+            <a:lstStyle/>
+            <a:p>
+              <a:pPr algn="ctr"/>
+              <a:endParaRPr lang="bg-BG" sz="2800" b="1" dirty="0">
+                <a:solidFill>
+                  <a:srgbClr val="FFFFFF"/>
+                </a:solidFill>
+                <a:effectLst>
+                  <a:outerShdw blurRad="38100" dist="38100" dir="2700000" algn="tl">
+                    <a:srgbClr val="000000">
+                      <a:alpha val="43137"/>
+                    </a:srgbClr>
+                  </a:outerShdw>
+                </a:effectLst>
+              </a:endParaRPr>
+            </a:p>
+          </p:txBody>
+        </p:sp>
+        <p:sp>
+          <p:nvSpPr>
+            <p:cNvPr id="10" name="Овал 9"/>
+            <p:cNvSpPr/>
+            <p:nvPr/>
+          </p:nvSpPr>
+          <p:spPr bwMode="auto">
+            <a:xfrm>
+              <a:off x="6298808" y="2514600"/>
+              <a:ext cx="1617784" cy="1617784"/>
+            </a:xfrm>
+            <a:prstGeom prst="ellipse">
+              <a:avLst/>
+            </a:prstGeom>
+            <a:solidFill>
+              <a:schemeClr val="tx1">
+                <a:lumMod val="40000"/>
+                <a:lumOff val="60000"/>
+                <a:alpha val="80000"/>
+              </a:schemeClr>
+            </a:solidFill>
+            <a:ln w="19050">
+              <a:solidFill>
+                <a:schemeClr val="tx1">
+                  <a:lumMod val="75000"/>
+                  <a:alpha val="80000"/>
+                </a:schemeClr>
+              </a:solidFill>
+            </a:ln>
+            <a:effectLst/>
+          </p:spPr>
+          <p:style>
+            <a:lnRef idx="2">
+              <a:schemeClr val="accent1">
+                <a:shade val="50000"/>
+              </a:schemeClr>
+            </a:lnRef>
+            <a:fillRef idx="1001">
+              <a:schemeClr val="dk2"/>
+            </a:fillRef>
+            <a:effectRef idx="0">
+              <a:schemeClr val="accent1"/>
+            </a:effectRef>
+            <a:fontRef idx="minor">
+              <a:schemeClr val="lt1"/>
+            </a:fontRef>
+          </p:style>
+          <p:txBody>
+            <a:bodyPr rot="0" spcFirstLastPara="0" vertOverflow="overflow" horzOverflow="overflow" vert="horz" wrap="square" lIns="91440" tIns="45720" rIns="91440" bIns="45720" numCol="1" spcCol="0" rtlCol="0" fromWordArt="0" anchor="ctr" anchorCtr="0" forceAA="0" compatLnSpc="1">
+              <a:prstTxWarp prst="textNoShape">
+                <a:avLst/>
+              </a:prstTxWarp>
+              <a:noAutofit/>
+            </a:bodyPr>
+            <a:lstStyle/>
+            <a:p>
+              <a:pPr algn="ctr"/>
+              <a:endParaRPr lang="bg-BG" sz="2800" b="1" dirty="0">
+                <a:solidFill>
+                  <a:srgbClr val="FFFFFF"/>
+                </a:solidFill>
+                <a:effectLst>
+                  <a:outerShdw blurRad="38100" dist="38100" dir="2700000" algn="tl">
+                    <a:srgbClr val="000000">
+                      <a:alpha val="43137"/>
+                    </a:srgbClr>
+                  </a:outerShdw>
+                </a:effectLst>
+              </a:endParaRPr>
+            </a:p>
+          </p:txBody>
+        </p:sp>
+        <p:sp>
+          <p:nvSpPr>
+            <p:cNvPr id="11" name="Овал 10"/>
+            <p:cNvSpPr/>
+            <p:nvPr/>
+          </p:nvSpPr>
+          <p:spPr bwMode="auto">
+            <a:xfrm>
+              <a:off x="6678636" y="2894428"/>
+              <a:ext cx="858129" cy="858129"/>
+            </a:xfrm>
+            <a:prstGeom prst="ellipse">
+              <a:avLst/>
+            </a:prstGeom>
+            <a:solidFill>
+              <a:schemeClr val="tx1">
+                <a:lumMod val="60000"/>
+                <a:lumOff val="40000"/>
+                <a:alpha val="80000"/>
+              </a:schemeClr>
+            </a:solidFill>
+            <a:ln w="19050">
+              <a:solidFill>
+                <a:schemeClr val="tx1">
+                  <a:lumMod val="75000"/>
+                  <a:alpha val="80000"/>
+                </a:schemeClr>
+              </a:solidFill>
+            </a:ln>
+            <a:effectLst/>
+          </p:spPr>
+          <p:style>
+            <a:lnRef idx="2">
+              <a:schemeClr val="accent1">
+                <a:shade val="50000"/>
+              </a:schemeClr>
+            </a:lnRef>
+            <a:fillRef idx="1001">
+              <a:schemeClr val="dk2"/>
+            </a:fillRef>
+            <a:effectRef idx="0">
+              <a:schemeClr val="accent1"/>
+            </a:effectRef>
+            <a:fontRef idx="minor">
+              <a:schemeClr val="lt1"/>
+            </a:fontRef>
+          </p:style>
+          <p:txBody>
+            <a:bodyPr rot="0" spcFirstLastPara="0" vertOverflow="overflow" horzOverflow="overflow" vert="horz" wrap="square" lIns="91440" tIns="45720" rIns="91440" bIns="45720" numCol="1" spcCol="0" rtlCol="0" fromWordArt="0" anchor="ctr" anchorCtr="0" forceAA="0" compatLnSpc="1">
+              <a:prstTxWarp prst="textNoShape">
+                <a:avLst/>
+              </a:prstTxWarp>
+              <a:noAutofit/>
+            </a:bodyPr>
+            <a:lstStyle/>
+            <a:p>
+              <a:pPr algn="ctr"/>
+              <a:endParaRPr lang="bg-BG" sz="2800" b="1" dirty="0">
+                <a:solidFill>
+                  <a:srgbClr val="FFFFFF"/>
+                </a:solidFill>
+                <a:effectLst>
+                  <a:outerShdw blurRad="38100" dist="38100" dir="2700000" algn="tl">
+                    <a:srgbClr val="000000">
+                      <a:alpha val="43137"/>
+                    </a:srgbClr>
+                  </a:outerShdw>
+                </a:effectLst>
+              </a:endParaRPr>
+            </a:p>
+          </p:txBody>
+        </p:sp>
+      </p:grpSp>
+      <p:sp>
+        <p:nvSpPr>
+          <p:cNvPr id="21" name="Пръстен 20"/>
+          <p:cNvSpPr/>
+          <p:nvPr/>
+        </p:nvSpPr>
+        <p:spPr bwMode="auto">
+          <a:xfrm>
+            <a:off x="6086818" y="3274265"/>
+            <a:ext cx="263770" cy="263770"/>
+          </a:xfrm>
+          <a:prstGeom prst="donut">
+            <a:avLst/>
+          </a:prstGeom>
+          <a:solidFill>
+            <a:schemeClr val="tx1">
+              <a:lumMod val="20000"/>
+              <a:lumOff val="80000"/>
+              <a:alpha val="80000"/>
+            </a:schemeClr>
+          </a:solidFill>
+          <a:ln w="19050">
+            <a:solidFill>
+              <a:schemeClr val="tx1">
+                <a:lumMod val="75000"/>
+                <a:alpha val="80000"/>
+              </a:schemeClr>
+            </a:solidFill>
+          </a:ln>
+          <a:effectLst/>
+        </p:spPr>
+        <p:style>
+          <a:lnRef idx="2">
+            <a:schemeClr val="accent1">
+              <a:shade val="50000"/>
+            </a:schemeClr>
+          </a:lnRef>
+          <a:fillRef idx="1001">
+            <a:schemeClr val="dk2"/>
+          </a:fillRef>
+          <a:effectRef idx="0">
+            <a:schemeClr val="accent1"/>
+          </a:effectRef>
+          <a:fontRef idx="minor">
+            <a:schemeClr val="lt1"/>
+          </a:fontRef>
+        </p:style>
+        <p:txBody>
+          <a:bodyPr rot="0" spcFirstLastPara="0" vertOverflow="overflow" horzOverflow="overflow" vert="horz" wrap="square" lIns="91440" tIns="45720" rIns="91440" bIns="45720" numCol="1" spcCol="0" rtlCol="0" fromWordArt="0" anchor="ctr" anchorCtr="0" forceAA="0" compatLnSpc="1">
+            <a:prstTxWarp prst="textNoShape">
+              <a:avLst/>
+            </a:prstTxWarp>
+            <a:noAutofit/>
+          </a:bodyPr>
+          <a:lstStyle/>
+          <a:p>
+            <a:pPr algn="ctr"/>
+            <a:endParaRPr lang="bg-BG" sz="2800" b="1" dirty="0">
+              <a:solidFill>
+                <a:srgbClr val="FFFFFF"/>
+              </a:solidFill>
+              <a:effectLst>
+                <a:outerShdw blurRad="38100" dist="38100" dir="2700000" algn="tl">
+                  <a:srgbClr val="000000">
+                    <a:alpha val="43137"/>
+                  </a:srgbClr>
+                </a:outerShdw>
+              </a:effectLst>
+            </a:endParaRPr>
+          </a:p>
+        </p:txBody>
+      </p:sp>
+      <p:sp>
+        <p:nvSpPr>
+          <p:cNvPr id="22" name="Плочка 21"/>
+          <p:cNvSpPr/>
+          <p:nvPr/>
+        </p:nvSpPr>
+        <p:spPr bwMode="auto">
+          <a:xfrm>
+            <a:off x="6350588" y="4368229"/>
+            <a:ext cx="379827" cy="379827"/>
+          </a:xfrm>
+          <a:prstGeom prst="plaque">
+            <a:avLst/>
+          </a:prstGeom>
+          <a:solidFill>
+            <a:schemeClr val="bg2">
+              <a:alpha val="80000"/>
+            </a:schemeClr>
+          </a:solidFill>
+          <a:ln w="19050">
+            <a:solidFill>
+              <a:schemeClr val="tx1">
+                <a:lumMod val="75000"/>
+                <a:alpha val="80000"/>
+              </a:schemeClr>
+            </a:solidFill>
+          </a:ln>
+          <a:effectLst/>
+        </p:spPr>
+        <p:style>
+          <a:lnRef idx="2">
+            <a:schemeClr val="accent1">
+              <a:shade val="50000"/>
+            </a:schemeClr>
+          </a:lnRef>
+          <a:fillRef idx="1001">
+            <a:schemeClr val="dk2"/>
+          </a:fillRef>
+          <a:effectRef idx="0">
+            <a:schemeClr val="accent1"/>
+          </a:effectRef>
+          <a:fontRef idx="minor">
+            <a:schemeClr val="lt1"/>
+          </a:fontRef>
+        </p:style>
+        <p:txBody>
+          <a:bodyPr rot="0" spcFirstLastPara="0" vertOverflow="overflow" horzOverflow="overflow" vert="horz" wrap="square" lIns="91440" tIns="45720" rIns="91440" bIns="45720" numCol="1" spcCol="0" rtlCol="0" fromWordArt="0" anchor="ctr" anchorCtr="0" forceAA="0" compatLnSpc="1">
+            <a:prstTxWarp prst="textNoShape">
+              <a:avLst/>
+            </a:prstTxWarp>
+            <a:noAutofit/>
+          </a:bodyPr>
+          <a:lstStyle/>
+          <a:p>
+            <a:pPr algn="ctr"/>
+            <a:endParaRPr lang="bg-BG" sz="2800" b="1" dirty="0">
+              <a:solidFill>
+                <a:srgbClr val="FFFFFF"/>
+              </a:solidFill>
+              <a:effectLst>
+                <a:outerShdw blurRad="38100" dist="38100" dir="2700000" algn="tl">
+                  <a:srgbClr val="000000">
+                    <a:alpha val="43137"/>
+                  </a:srgbClr>
+                </a:outerShdw>
+              </a:effectLst>
+            </a:endParaRPr>
+          </a:p>
+        </p:txBody>
+      </p:sp>
+      <p:grpSp>
+        <p:nvGrpSpPr>
+          <p:cNvPr id="29" name="Групиране 28"/>
+          <p:cNvGrpSpPr/>
+          <p:nvPr/>
+        </p:nvGrpSpPr>
+        <p:grpSpPr>
+          <a:xfrm>
+            <a:off x="625917" y="1198148"/>
+            <a:ext cx="6776129" cy="1399311"/>
+            <a:chOff x="625917" y="1198148"/>
+            <a:chExt cx="6776129" cy="1399311"/>
+          </a:xfrm>
+        </p:grpSpPr>
+        <p:sp>
+          <p:nvSpPr>
+            <p:cNvPr id="16" name="Закръглено правоъгълно изнесено означение 15"/>
+            <p:cNvSpPr/>
+            <p:nvPr/>
+          </p:nvSpPr>
+          <p:spPr bwMode="auto">
+            <a:xfrm>
+              <a:off x="625917" y="1441696"/>
+              <a:ext cx="2653517" cy="817259"/>
+            </a:xfrm>
+            <a:prstGeom prst="wedgeRoundRectCallout">
+              <a:avLst>
+                <a:gd name="adj1" fmla="val 129019"/>
+                <a:gd name="adj2" fmla="val 141588"/>
+                <a:gd name="adj3" fmla="val 16667"/>
+              </a:avLst>
+            </a:prstGeom>
+            <a:solidFill>
+              <a:schemeClr val="bg1">
+                <a:alpha val="80000"/>
+              </a:schemeClr>
+            </a:solidFill>
+            <a:ln w="19050">
+              <a:solidFill>
+                <a:schemeClr val="tx1">
+                  <a:lumMod val="75000"/>
+                  <a:alpha val="80000"/>
+                </a:schemeClr>
+              </a:solidFill>
+            </a:ln>
+            <a:effectLst/>
+          </p:spPr>
+          <p:style>
+            <a:lnRef idx="2">
+              <a:schemeClr val="accent1">
+                <a:shade val="50000"/>
+              </a:schemeClr>
+            </a:lnRef>
+            <a:fillRef idx="1001">
+              <a:schemeClr val="dk2"/>
+            </a:fillRef>
+            <a:effectRef idx="0">
+              <a:schemeClr val="accent1"/>
+            </a:effectRef>
+            <a:fontRef idx="minor">
+              <a:schemeClr val="lt1"/>
+            </a:fontRef>
+          </p:style>
+          <p:txBody>
+            <a:bodyPr rot="0" spcFirstLastPara="0" vertOverflow="overflow" horzOverflow="overflow" vert="horz" wrap="square" lIns="91440" tIns="45720" rIns="91440" bIns="45720" numCol="1" spcCol="0" rtlCol="0" fromWordArt="0" anchor="ctr" anchorCtr="0" forceAA="0" compatLnSpc="1">
+              <a:prstTxWarp prst="textNoShape">
+                <a:avLst/>
+              </a:prstTxWarp>
+              <a:noAutofit/>
+            </a:bodyPr>
+            <a:lstStyle/>
+            <a:p>
+              <a:pPr algn="ctr"/>
+              <a:r>
+                <a:rPr lang="bg-BG" sz="2800" b="1" dirty="0" smtClean="0">
+                  <a:solidFill>
+                    <a:srgbClr val="FFFFFF"/>
+                  </a:solidFill>
+                  <a:effectLst>
+                    <a:outerShdw blurRad="38100" dist="38100" dir="2700000" algn="tl">
+                      <a:srgbClr val="000000">
+                        <a:alpha val="43137"/>
+                      </a:srgbClr>
+                    </a:outerShdw>
+                  </a:effectLst>
+                </a:rPr>
+                <a:t>Приложен</a:t>
+              </a:r>
+            </a:p>
+            <a:p>
+              <a:pPr algn="ctr"/>
+              <a:r>
+                <a:rPr lang="bg-BG" sz="2800" b="1" dirty="0" smtClean="0">
+                  <a:solidFill>
+                    <a:srgbClr val="FFFFFF"/>
+                  </a:solidFill>
+                  <a:effectLst>
+                    <a:outerShdw blurRad="38100" dist="38100" dir="2700000" algn="tl">
+                      <a:srgbClr val="000000">
+                        <a:alpha val="43137"/>
+                      </a:srgbClr>
+                    </a:outerShdw>
+                  </a:effectLst>
+                </a:rPr>
+                <a:t>софтуер</a:t>
+              </a:r>
+              <a:endParaRPr lang="bg-BG" sz="2800" b="1" dirty="0">
+                <a:solidFill>
+                  <a:srgbClr val="FFFFFF"/>
+                </a:solidFill>
+                <a:effectLst>
+                  <a:outerShdw blurRad="38100" dist="38100" dir="2700000" algn="tl">
+                    <a:srgbClr val="000000">
+                      <a:alpha val="43137"/>
+                    </a:srgbClr>
+                  </a:outerShdw>
+                </a:effectLst>
+              </a:endParaRPr>
+            </a:p>
+          </p:txBody>
+        </p:sp>
+        <p:sp>
+          <p:nvSpPr>
+            <p:cNvPr id="25" name="Облаковидно 24"/>
+            <p:cNvSpPr/>
+            <p:nvPr/>
+          </p:nvSpPr>
+          <p:spPr bwMode="auto">
+            <a:xfrm>
+              <a:off x="3303465" y="1198148"/>
+              <a:ext cx="4098581" cy="1399311"/>
+            </a:xfrm>
+            <a:prstGeom prst="cloud">
+              <a:avLst/>
+            </a:prstGeom>
+            <a:solidFill>
+              <a:schemeClr val="tx2">
+                <a:alpha val="80000"/>
+              </a:schemeClr>
+            </a:solidFill>
+            <a:ln w="19050">
+              <a:solidFill>
+                <a:schemeClr val="tx1">
+                  <a:lumMod val="75000"/>
+                  <a:alpha val="80000"/>
+                </a:schemeClr>
+              </a:solidFill>
+            </a:ln>
+            <a:effectLst/>
+          </p:spPr>
+          <p:style>
+            <a:lnRef idx="2">
+              <a:schemeClr val="accent1">
+                <a:shade val="50000"/>
+              </a:schemeClr>
+            </a:lnRef>
+            <a:fillRef idx="1001">
+              <a:schemeClr val="dk2"/>
+            </a:fillRef>
+            <a:effectRef idx="0">
+              <a:schemeClr val="accent1"/>
+            </a:effectRef>
+            <a:fontRef idx="minor">
+              <a:schemeClr val="lt1"/>
+            </a:fontRef>
+          </p:style>
+          <p:txBody>
+            <a:bodyPr rot="0" spcFirstLastPara="0" vertOverflow="overflow" horzOverflow="overflow" vert="horz" wrap="square" lIns="91440" tIns="45720" rIns="91440" bIns="45720" numCol="1" spcCol="0" rtlCol="0" fromWordArt="0" anchor="ctr" anchorCtr="0" forceAA="0" compatLnSpc="1">
+              <a:prstTxWarp prst="textNoShape">
+                <a:avLst/>
+              </a:prstTxWarp>
+              <a:noAutofit/>
+            </a:bodyPr>
+            <a:lstStyle/>
+            <a:p>
+              <a:pPr algn="ctr"/>
+              <a:r>
+                <a:rPr lang="bg-BG" sz="2800" b="1" dirty="0" smtClean="0">
+                  <a:solidFill>
+                    <a:srgbClr val="FFFFFF"/>
+                  </a:solidFill>
+                  <a:effectLst>
+                    <a:outerShdw blurRad="38100" dist="38100" dir="2700000" algn="tl">
+                      <a:srgbClr val="000000">
+                        <a:alpha val="43137"/>
+                      </a:srgbClr>
+                    </a:outerShdw>
+                  </a:effectLst>
+                </a:rPr>
+                <a:t>Затова си купих компютъра</a:t>
+              </a:r>
+              <a:endParaRPr lang="bg-BG" sz="2800" b="1" dirty="0">
+                <a:solidFill>
+                  <a:srgbClr val="FFFFFF"/>
+                </a:solidFill>
+                <a:effectLst>
+                  <a:outerShdw blurRad="38100" dist="38100" dir="2700000" algn="tl">
+                    <a:srgbClr val="000000">
+                      <a:alpha val="43137"/>
+                    </a:srgbClr>
+                  </a:outerShdw>
+                </a:effectLst>
+              </a:endParaRPr>
+            </a:p>
+          </p:txBody>
+        </p:sp>
+      </p:grpSp>
+      <p:grpSp>
+        <p:nvGrpSpPr>
+          <p:cNvPr id="30" name="Групиране 29"/>
+          <p:cNvGrpSpPr/>
+          <p:nvPr/>
+        </p:nvGrpSpPr>
+        <p:grpSpPr>
+          <a:xfrm>
+            <a:off x="305677" y="2713626"/>
+            <a:ext cx="4547575" cy="2423164"/>
+            <a:chOff x="284485" y="2674622"/>
+            <a:chExt cx="4547575" cy="2423164"/>
+          </a:xfrm>
+        </p:grpSpPr>
+        <p:sp>
+          <p:nvSpPr>
+            <p:cNvPr id="15" name="Закръглено правоъгълно изнесено означение 14"/>
+            <p:cNvSpPr/>
+            <p:nvPr/>
+          </p:nvSpPr>
+          <p:spPr bwMode="auto">
+            <a:xfrm>
+              <a:off x="565056" y="2674622"/>
+              <a:ext cx="2653517" cy="868681"/>
+            </a:xfrm>
+            <a:prstGeom prst="wedgeRoundRectCallout">
+              <a:avLst>
+                <a:gd name="adj1" fmla="val 140557"/>
+                <a:gd name="adj2" fmla="val 38573"/>
+                <a:gd name="adj3" fmla="val 16667"/>
+              </a:avLst>
+            </a:prstGeom>
+            <a:solidFill>
+              <a:schemeClr val="bg1">
+                <a:alpha val="80000"/>
+              </a:schemeClr>
+            </a:solidFill>
+            <a:ln w="19050">
+              <a:solidFill>
+                <a:schemeClr val="tx1">
+                  <a:lumMod val="75000"/>
+                  <a:alpha val="80000"/>
+                </a:schemeClr>
+              </a:solidFill>
+            </a:ln>
+            <a:effectLst/>
+          </p:spPr>
+          <p:style>
+            <a:lnRef idx="2">
+              <a:schemeClr val="accent1">
+                <a:shade val="50000"/>
+              </a:schemeClr>
+            </a:lnRef>
+            <a:fillRef idx="1001">
+              <a:schemeClr val="dk2"/>
+            </a:fillRef>
+            <a:effectRef idx="0">
+              <a:schemeClr val="accent1"/>
+            </a:effectRef>
+            <a:fontRef idx="minor">
+              <a:schemeClr val="lt1"/>
+            </a:fontRef>
+          </p:style>
+          <p:txBody>
+            <a:bodyPr rot="0" spcFirstLastPara="0" vertOverflow="overflow" horzOverflow="overflow" vert="horz" wrap="square" lIns="91440" tIns="45720" rIns="91440" bIns="45720" numCol="1" spcCol="0" rtlCol="0" fromWordArt="0" anchor="ctr" anchorCtr="0" forceAA="0" compatLnSpc="1">
+              <a:prstTxWarp prst="textNoShape">
+                <a:avLst/>
+              </a:prstTxWarp>
+              <a:noAutofit/>
+            </a:bodyPr>
+            <a:lstStyle/>
+            <a:p>
+              <a:pPr algn="ctr"/>
+              <a:r>
+                <a:rPr lang="bg-BG" sz="2800" b="1" dirty="0" smtClean="0">
+                  <a:solidFill>
+                    <a:srgbClr val="FFFFFF"/>
+                  </a:solidFill>
+                  <a:effectLst>
+                    <a:outerShdw blurRad="38100" dist="38100" dir="2700000" algn="tl">
+                      <a:srgbClr val="000000">
+                        <a:alpha val="43137"/>
+                      </a:srgbClr>
+                    </a:outerShdw>
+                  </a:effectLst>
+                </a:rPr>
+                <a:t>Операционна</a:t>
+              </a:r>
+            </a:p>
+            <a:p>
+              <a:pPr algn="ctr"/>
+              <a:r>
+                <a:rPr lang="bg-BG" sz="2800" b="1" dirty="0" smtClean="0">
+                  <a:solidFill>
+                    <a:srgbClr val="FFFFFF"/>
+                  </a:solidFill>
+                  <a:effectLst>
+                    <a:outerShdw blurRad="38100" dist="38100" dir="2700000" algn="tl">
+                      <a:srgbClr val="000000">
+                        <a:alpha val="43137"/>
+                      </a:srgbClr>
+                    </a:outerShdw>
+                  </a:effectLst>
+                </a:rPr>
+                <a:t>система</a:t>
+              </a:r>
+              <a:endParaRPr lang="bg-BG" sz="2800" b="1" dirty="0">
+                <a:solidFill>
+                  <a:srgbClr val="FFFFFF"/>
+                </a:solidFill>
+                <a:effectLst>
+                  <a:outerShdw blurRad="38100" dist="38100" dir="2700000" algn="tl">
+                    <a:srgbClr val="000000">
+                      <a:alpha val="43137"/>
+                    </a:srgbClr>
+                  </a:outerShdw>
+                </a:effectLst>
+              </a:endParaRPr>
+            </a:p>
+          </p:txBody>
+        </p:sp>
+        <p:sp>
+          <p:nvSpPr>
+            <p:cNvPr id="26" name="Облаковидно 25"/>
+            <p:cNvSpPr/>
+            <p:nvPr/>
+          </p:nvSpPr>
+          <p:spPr bwMode="auto">
+            <a:xfrm>
+              <a:off x="284485" y="3698475"/>
+              <a:ext cx="4547575" cy="1399311"/>
+            </a:xfrm>
+            <a:prstGeom prst="cloud">
+              <a:avLst/>
+            </a:prstGeom>
+            <a:solidFill>
+              <a:schemeClr val="tx2">
+                <a:alpha val="80000"/>
+              </a:schemeClr>
+            </a:solidFill>
+            <a:ln w="19050">
+              <a:solidFill>
+                <a:schemeClr val="tx1">
+                  <a:lumMod val="75000"/>
+                  <a:alpha val="80000"/>
+                </a:schemeClr>
+              </a:solidFill>
+            </a:ln>
+            <a:effectLst/>
+          </p:spPr>
+          <p:style>
+            <a:lnRef idx="2">
+              <a:schemeClr val="accent1">
+                <a:shade val="50000"/>
+              </a:schemeClr>
+            </a:lnRef>
+            <a:fillRef idx="1001">
+              <a:schemeClr val="dk2"/>
+            </a:fillRef>
+            <a:effectRef idx="0">
+              <a:schemeClr val="accent1"/>
+            </a:effectRef>
+            <a:fontRef idx="minor">
+              <a:schemeClr val="lt1"/>
+            </a:fontRef>
+          </p:style>
+          <p:txBody>
+            <a:bodyPr rot="0" spcFirstLastPara="0" vertOverflow="overflow" horzOverflow="overflow" vert="horz" wrap="square" lIns="91440" tIns="45720" rIns="91440" bIns="45720" numCol="1" spcCol="0" rtlCol="0" fromWordArt="0" anchor="ctr" anchorCtr="0" forceAA="0" compatLnSpc="1">
+              <a:prstTxWarp prst="textNoShape">
+                <a:avLst/>
+              </a:prstTxWarp>
+              <a:noAutofit/>
+            </a:bodyPr>
+            <a:lstStyle/>
+            <a:p>
+              <a:pPr algn="ctr"/>
+              <a:r>
+                <a:rPr lang="bg-BG" sz="2800" b="1" dirty="0" smtClean="0">
+                  <a:solidFill>
+                    <a:srgbClr val="FFFFFF"/>
+                  </a:solidFill>
+                  <a:effectLst>
+                    <a:outerShdw blurRad="38100" dist="38100" dir="2700000" algn="tl">
+                      <a:srgbClr val="000000">
+                        <a:alpha val="43137"/>
+                      </a:srgbClr>
+                    </a:outerShdw>
+                  </a:effectLst>
+                </a:rPr>
+                <a:t>Управлява приложенията и частите</a:t>
+              </a:r>
+              <a:endParaRPr lang="bg-BG" sz="2800" b="1" dirty="0">
+                <a:solidFill>
+                  <a:srgbClr val="FFFFFF"/>
+                </a:solidFill>
+                <a:effectLst>
+                  <a:outerShdw blurRad="38100" dist="38100" dir="2700000" algn="tl">
+                    <a:srgbClr val="000000">
+                      <a:alpha val="43137"/>
+                    </a:srgbClr>
+                  </a:outerShdw>
+                </a:effectLst>
+              </a:endParaRPr>
+            </a:p>
+          </p:txBody>
+        </p:sp>
+      </p:grpSp>
+      <p:grpSp>
+        <p:nvGrpSpPr>
+          <p:cNvPr id="31" name="Групиране 30"/>
+          <p:cNvGrpSpPr/>
+          <p:nvPr/>
+        </p:nvGrpSpPr>
+        <p:grpSpPr>
+          <a:xfrm>
+            <a:off x="1460988" y="5291962"/>
+            <a:ext cx="6435969" cy="1458883"/>
+            <a:chOff x="1460988" y="5291962"/>
+            <a:chExt cx="6435969" cy="1458883"/>
+          </a:xfrm>
+        </p:grpSpPr>
+        <p:sp>
+          <p:nvSpPr>
+            <p:cNvPr id="23" name="Закръглено правоъгълно изнесено означение 22"/>
+            <p:cNvSpPr/>
+            <p:nvPr/>
+          </p:nvSpPr>
+          <p:spPr bwMode="auto">
+            <a:xfrm>
+              <a:off x="5563872" y="5345734"/>
+              <a:ext cx="2333085" cy="453683"/>
+            </a:xfrm>
+            <a:prstGeom prst="wedgeRoundRectCallout">
+              <a:avLst>
+                <a:gd name="adj1" fmla="val -10248"/>
+                <a:gd name="adj2" fmla="val -177593"/>
+                <a:gd name="adj3" fmla="val 16667"/>
+              </a:avLst>
+            </a:prstGeom>
+            <a:solidFill>
+              <a:schemeClr val="bg1">
+                <a:alpha val="80000"/>
+              </a:schemeClr>
+            </a:solidFill>
+            <a:ln w="19050">
+              <a:solidFill>
+                <a:schemeClr val="tx1">
+                  <a:lumMod val="75000"/>
+                  <a:alpha val="80000"/>
+                </a:schemeClr>
+              </a:solidFill>
+            </a:ln>
+            <a:effectLst/>
+          </p:spPr>
+          <p:style>
+            <a:lnRef idx="2">
+              <a:schemeClr val="accent1">
+                <a:shade val="50000"/>
+              </a:schemeClr>
+            </a:lnRef>
+            <a:fillRef idx="1001">
+              <a:schemeClr val="dk2"/>
+            </a:fillRef>
+            <a:effectRef idx="0">
+              <a:schemeClr val="accent1"/>
+            </a:effectRef>
+            <a:fontRef idx="minor">
+              <a:schemeClr val="lt1"/>
+            </a:fontRef>
+          </p:style>
+          <p:txBody>
+            <a:bodyPr rot="0" spcFirstLastPara="0" vertOverflow="overflow" horzOverflow="overflow" vert="horz" wrap="square" lIns="91440" tIns="45720" rIns="91440" bIns="45720" numCol="1" spcCol="0" rtlCol="0" fromWordArt="0" anchor="ctr" anchorCtr="0" forceAA="0" compatLnSpc="1">
+              <a:prstTxWarp prst="textNoShape">
+                <a:avLst/>
+              </a:prstTxWarp>
+              <a:noAutofit/>
+            </a:bodyPr>
+            <a:lstStyle/>
+            <a:p>
+              <a:pPr algn="ctr"/>
+              <a:r>
+                <a:rPr lang="bg-BG" sz="2800" b="1" dirty="0" smtClean="0">
+                  <a:solidFill>
+                    <a:srgbClr val="FFFFFF"/>
+                  </a:solidFill>
+                  <a:effectLst>
+                    <a:outerShdw blurRad="38100" dist="38100" dir="2700000" algn="tl">
+                      <a:srgbClr val="000000">
+                        <a:alpha val="43137"/>
+                      </a:srgbClr>
+                    </a:outerShdw>
+                  </a:effectLst>
+                </a:rPr>
+                <a:t>Инструменти</a:t>
+              </a:r>
+              <a:endParaRPr lang="bg-BG" sz="2800" b="1" dirty="0">
+                <a:solidFill>
+                  <a:srgbClr val="FFFFFF"/>
+                </a:solidFill>
+                <a:effectLst>
+                  <a:outerShdw blurRad="38100" dist="38100" dir="2700000" algn="tl">
+                    <a:srgbClr val="000000">
+                      <a:alpha val="43137"/>
+                    </a:srgbClr>
+                  </a:outerShdw>
+                </a:effectLst>
+              </a:endParaRPr>
+            </a:p>
+          </p:txBody>
+        </p:sp>
+        <p:sp>
+          <p:nvSpPr>
+            <p:cNvPr id="27" name="Облаковидно 26"/>
+            <p:cNvSpPr/>
+            <p:nvPr/>
+          </p:nvSpPr>
+          <p:spPr bwMode="auto">
+            <a:xfrm>
+              <a:off x="1460988" y="5291962"/>
+              <a:ext cx="4102884" cy="1458883"/>
+            </a:xfrm>
+            <a:prstGeom prst="cloud">
+              <a:avLst/>
+            </a:prstGeom>
+            <a:solidFill>
+              <a:schemeClr val="tx2">
+                <a:alpha val="80000"/>
+              </a:schemeClr>
+            </a:solidFill>
+            <a:ln w="19050">
+              <a:solidFill>
+                <a:schemeClr val="tx1">
+                  <a:lumMod val="75000"/>
+                  <a:alpha val="80000"/>
+                </a:schemeClr>
+              </a:solidFill>
+            </a:ln>
+            <a:effectLst/>
+          </p:spPr>
+          <p:style>
+            <a:lnRef idx="2">
+              <a:schemeClr val="accent1">
+                <a:shade val="50000"/>
+              </a:schemeClr>
+            </a:lnRef>
+            <a:fillRef idx="1001">
+              <a:schemeClr val="dk2"/>
+            </a:fillRef>
+            <a:effectRef idx="0">
+              <a:schemeClr val="accent1"/>
+            </a:effectRef>
+            <a:fontRef idx="minor">
+              <a:schemeClr val="lt1"/>
+            </a:fontRef>
+          </p:style>
+          <p:txBody>
+            <a:bodyPr rot="0" spcFirstLastPara="0" vertOverflow="overflow" horzOverflow="overflow" vert="horz" wrap="square" lIns="91440" tIns="45720" rIns="91440" bIns="45720" numCol="1" spcCol="0" rtlCol="0" fromWordArt="0" anchor="ctr" anchorCtr="0" forceAA="0" compatLnSpc="1">
+              <a:prstTxWarp prst="textNoShape">
+                <a:avLst/>
+              </a:prstTxWarp>
+              <a:noAutofit/>
+            </a:bodyPr>
+            <a:lstStyle/>
+            <a:p>
+              <a:pPr algn="ctr"/>
+              <a:r>
+                <a:rPr lang="bg-BG" sz="2800" b="1" dirty="0" smtClean="0">
+                  <a:solidFill>
+                    <a:srgbClr val="FFFFFF"/>
+                  </a:solidFill>
+                  <a:effectLst>
+                    <a:outerShdw blurRad="38100" dist="38100" dir="2700000" algn="tl">
+                      <a:srgbClr val="000000">
+                        <a:alpha val="43137"/>
+                      </a:srgbClr>
+                    </a:outerShdw>
+                  </a:effectLst>
+                </a:rPr>
+                <a:t>Допълнителни програми към ОС</a:t>
+              </a:r>
+              <a:endParaRPr lang="bg-BG" sz="2800" b="1" dirty="0">
+                <a:solidFill>
+                  <a:srgbClr val="FFFFFF"/>
+                </a:solidFill>
+                <a:effectLst>
+                  <a:outerShdw blurRad="38100" dist="38100" dir="2700000" algn="tl">
+                    <a:srgbClr val="000000">
+                      <a:alpha val="43137"/>
+                    </a:srgbClr>
+                  </a:outerShdw>
+                </a:effectLst>
+              </a:endParaRPr>
+            </a:p>
+          </p:txBody>
+        </p:sp>
+      </p:grpSp>
+      <p:grpSp>
+        <p:nvGrpSpPr>
+          <p:cNvPr id="32" name="Групиране 31"/>
+          <p:cNvGrpSpPr/>
+          <p:nvPr/>
+        </p:nvGrpSpPr>
+        <p:grpSpPr>
+          <a:xfrm>
+            <a:off x="8141712" y="3538035"/>
+            <a:ext cx="3836947" cy="2143562"/>
+            <a:chOff x="8158287" y="2924322"/>
+            <a:chExt cx="3836947" cy="2143562"/>
+          </a:xfrm>
+        </p:grpSpPr>
+        <p:sp>
+          <p:nvSpPr>
+            <p:cNvPr id="13" name="Закръглено правоъгълно изнесено означение 12"/>
+            <p:cNvSpPr/>
+            <p:nvPr/>
+          </p:nvSpPr>
+          <p:spPr bwMode="auto">
+            <a:xfrm>
+              <a:off x="9516196" y="2924322"/>
+              <a:ext cx="2479038" cy="422031"/>
+            </a:xfrm>
+            <a:prstGeom prst="wedgeRoundRectCallout">
+              <a:avLst>
+                <a:gd name="adj1" fmla="val -170172"/>
+                <a:gd name="adj2" fmla="val 46752"/>
+                <a:gd name="adj3" fmla="val 16667"/>
+              </a:avLst>
+            </a:prstGeom>
+            <a:solidFill>
+              <a:schemeClr val="bg1">
+                <a:alpha val="80000"/>
+              </a:schemeClr>
+            </a:solidFill>
+            <a:ln w="19050">
+              <a:solidFill>
+                <a:schemeClr val="tx1">
+                  <a:lumMod val="75000"/>
+                  <a:alpha val="80000"/>
+                </a:schemeClr>
+              </a:solidFill>
+            </a:ln>
+            <a:effectLst/>
+          </p:spPr>
+          <p:style>
+            <a:lnRef idx="2">
+              <a:schemeClr val="accent1">
+                <a:shade val="50000"/>
+              </a:schemeClr>
+            </a:lnRef>
+            <a:fillRef idx="1001">
+              <a:schemeClr val="dk2"/>
+            </a:fillRef>
+            <a:effectRef idx="0">
+              <a:schemeClr val="accent1"/>
+            </a:effectRef>
+            <a:fontRef idx="minor">
+              <a:schemeClr val="lt1"/>
+            </a:fontRef>
+          </p:style>
+          <p:txBody>
+            <a:bodyPr rot="0" spcFirstLastPara="0" vertOverflow="overflow" horzOverflow="overflow" vert="horz" wrap="square" lIns="91440" tIns="45720" rIns="91440" bIns="45720" numCol="1" spcCol="0" rtlCol="0" fromWordArt="0" anchor="ctr" anchorCtr="0" forceAA="0" compatLnSpc="1">
+              <a:prstTxWarp prst="textNoShape">
+                <a:avLst/>
+              </a:prstTxWarp>
+              <a:noAutofit/>
+            </a:bodyPr>
+            <a:lstStyle/>
+            <a:p>
+              <a:pPr algn="ctr"/>
+              <a:r>
+                <a:rPr lang="bg-BG" sz="2800" b="1" dirty="0" smtClean="0">
+                  <a:solidFill>
+                    <a:srgbClr val="FFFFFF"/>
+                  </a:solidFill>
+                  <a:effectLst>
+                    <a:outerShdw blurRad="38100" dist="38100" dir="2700000" algn="tl">
+                      <a:srgbClr val="000000">
+                        <a:alpha val="43137"/>
+                      </a:srgbClr>
+                    </a:outerShdw>
+                  </a:effectLst>
+                </a:rPr>
+                <a:t>Хардуер</a:t>
+              </a:r>
+              <a:endParaRPr lang="bg-BG" sz="2800" b="1" dirty="0">
+                <a:solidFill>
+                  <a:srgbClr val="FFFFFF"/>
+                </a:solidFill>
+                <a:effectLst>
+                  <a:outerShdw blurRad="38100" dist="38100" dir="2700000" algn="tl">
+                    <a:srgbClr val="000000">
+                      <a:alpha val="43137"/>
+                    </a:srgbClr>
+                  </a:outerShdw>
+                </a:effectLst>
+              </a:endParaRPr>
+            </a:p>
+          </p:txBody>
+        </p:sp>
+        <p:sp>
+          <p:nvSpPr>
+            <p:cNvPr id="28" name="Облаковидно 27"/>
+            <p:cNvSpPr/>
+            <p:nvPr/>
+          </p:nvSpPr>
+          <p:spPr bwMode="auto">
+            <a:xfrm>
+              <a:off x="8158287" y="3538035"/>
+              <a:ext cx="3836947" cy="1529849"/>
+            </a:xfrm>
+            <a:prstGeom prst="cloud">
+              <a:avLst/>
+            </a:prstGeom>
+            <a:solidFill>
+              <a:schemeClr val="tx2">
+                <a:alpha val="80000"/>
+              </a:schemeClr>
+            </a:solidFill>
+            <a:ln w="19050">
+              <a:solidFill>
+                <a:schemeClr val="tx1">
+                  <a:lumMod val="75000"/>
+                  <a:alpha val="80000"/>
+                </a:schemeClr>
+              </a:solidFill>
+            </a:ln>
+            <a:effectLst/>
+          </p:spPr>
+          <p:style>
+            <a:lnRef idx="2">
+              <a:schemeClr val="accent1">
+                <a:shade val="50000"/>
+              </a:schemeClr>
+            </a:lnRef>
+            <a:fillRef idx="1001">
+              <a:schemeClr val="dk2"/>
+            </a:fillRef>
+            <a:effectRef idx="0">
+              <a:schemeClr val="accent1"/>
+            </a:effectRef>
+            <a:fontRef idx="minor">
+              <a:schemeClr val="lt1"/>
+            </a:fontRef>
+          </p:style>
+          <p:txBody>
+            <a:bodyPr rot="0" spcFirstLastPara="0" vertOverflow="overflow" horzOverflow="overflow" vert="horz" wrap="square" lIns="91440" tIns="45720" rIns="91440" bIns="45720" numCol="1" spcCol="0" rtlCol="0" fromWordArt="0" anchor="ctr" anchorCtr="0" forceAA="0" compatLnSpc="1">
+              <a:prstTxWarp prst="textNoShape">
+                <a:avLst/>
+              </a:prstTxWarp>
+              <a:noAutofit/>
+            </a:bodyPr>
+            <a:lstStyle/>
+            <a:p>
+              <a:pPr algn="ctr"/>
+              <a:r>
+                <a:rPr lang="bg-BG" sz="2800" b="1" dirty="0" smtClean="0">
+                  <a:solidFill>
+                    <a:srgbClr val="FFFFFF"/>
+                  </a:solidFill>
+                  <a:effectLst>
+                    <a:outerShdw blurRad="38100" dist="38100" dir="2700000" algn="tl">
+                      <a:srgbClr val="000000">
+                        <a:alpha val="43137"/>
+                      </a:srgbClr>
+                    </a:outerShdw>
+                  </a:effectLst>
+                </a:rPr>
+                <a:t>Частите, които се ползват от програмите</a:t>
+              </a:r>
+              <a:endParaRPr lang="bg-BG" sz="2800" b="1" dirty="0">
+                <a:solidFill>
+                  <a:srgbClr val="FFFFFF"/>
+                </a:solidFill>
+                <a:effectLst>
+                  <a:outerShdw blurRad="38100" dist="38100" dir="2700000" algn="tl">
+                    <a:srgbClr val="000000">
+                      <a:alpha val="43137"/>
+                    </a:srgbClr>
+                  </a:outerShdw>
+                </a:effectLst>
+              </a:endParaRPr>
+            </a:p>
+          </p:txBody>
+        </p:sp>
+      </p:grpSp>
+      <p:grpSp>
+        <p:nvGrpSpPr>
+          <p:cNvPr id="35" name="Групиране 34"/>
+          <p:cNvGrpSpPr/>
+          <p:nvPr/>
+        </p:nvGrpSpPr>
+        <p:grpSpPr>
+          <a:xfrm>
+            <a:off x="7620092" y="1282321"/>
+            <a:ext cx="4084228" cy="2166276"/>
+            <a:chOff x="7620092" y="1282321"/>
+            <a:chExt cx="4084228" cy="2166276"/>
+          </a:xfrm>
+        </p:grpSpPr>
+        <p:sp>
+          <p:nvSpPr>
+            <p:cNvPr id="20" name="Закръглено правоъгълно изнесено означение 19"/>
+            <p:cNvSpPr/>
+            <p:nvPr/>
+          </p:nvSpPr>
+          <p:spPr bwMode="auto">
+            <a:xfrm>
+              <a:off x="7620092" y="1282321"/>
+              <a:ext cx="2045286" cy="422030"/>
+            </a:xfrm>
+            <a:prstGeom prst="wedgeRoundRectCallout">
+              <a:avLst>
+                <a:gd name="adj1" fmla="val -115573"/>
+                <a:gd name="adj2" fmla="val 420084"/>
+                <a:gd name="adj3" fmla="val 16667"/>
+              </a:avLst>
+            </a:prstGeom>
+            <a:solidFill>
+              <a:schemeClr val="bg1">
+                <a:alpha val="80000"/>
+              </a:schemeClr>
+            </a:solidFill>
+            <a:ln w="19050">
+              <a:solidFill>
+                <a:schemeClr val="tx1">
+                  <a:lumMod val="75000"/>
+                  <a:alpha val="80000"/>
+                </a:schemeClr>
+              </a:solidFill>
+            </a:ln>
+            <a:effectLst/>
+          </p:spPr>
+          <p:style>
+            <a:lnRef idx="2">
+              <a:schemeClr val="accent1">
+                <a:shade val="50000"/>
+              </a:schemeClr>
+            </a:lnRef>
+            <a:fillRef idx="1001">
+              <a:schemeClr val="dk2"/>
+            </a:fillRef>
+            <a:effectRef idx="0">
+              <a:schemeClr val="accent1"/>
+            </a:effectRef>
+            <a:fontRef idx="minor">
+              <a:schemeClr val="lt1"/>
+            </a:fontRef>
+          </p:style>
+          <p:txBody>
+            <a:bodyPr rot="0" spcFirstLastPara="0" vertOverflow="overflow" horzOverflow="overflow" vert="horz" wrap="square" lIns="91440" tIns="45720" rIns="91440" bIns="45720" numCol="1" spcCol="0" rtlCol="0" fromWordArt="0" anchor="ctr" anchorCtr="0" forceAA="0" compatLnSpc="1">
+              <a:prstTxWarp prst="textNoShape">
+                <a:avLst/>
+              </a:prstTxWarp>
+              <a:noAutofit/>
+            </a:bodyPr>
+            <a:lstStyle/>
+            <a:p>
+              <a:pPr algn="ctr"/>
+              <a:r>
+                <a:rPr lang="bg-BG" sz="2800" b="1" dirty="0" smtClean="0">
+                  <a:solidFill>
+                    <a:srgbClr val="FFFFFF"/>
+                  </a:solidFill>
+                  <a:effectLst>
+                    <a:outerShdw blurRad="38100" dist="38100" dir="2700000" algn="tl">
+                      <a:srgbClr val="000000">
+                        <a:alpha val="43137"/>
+                      </a:srgbClr>
+                    </a:outerShdw>
+                  </a:effectLst>
+                </a:rPr>
+                <a:t>Драйвери</a:t>
+              </a:r>
+              <a:endParaRPr lang="bg-BG" sz="2800" b="1" dirty="0">
+                <a:solidFill>
+                  <a:srgbClr val="FFFFFF"/>
+                </a:solidFill>
+                <a:effectLst>
+                  <a:outerShdw blurRad="38100" dist="38100" dir="2700000" algn="tl">
+                    <a:srgbClr val="000000">
+                      <a:alpha val="43137"/>
+                    </a:srgbClr>
+                  </a:outerShdw>
+                </a:effectLst>
+              </a:endParaRPr>
+            </a:p>
+          </p:txBody>
+        </p:sp>
+        <p:sp>
+          <p:nvSpPr>
+            <p:cNvPr id="33" name="Облаковидно 32"/>
+            <p:cNvSpPr/>
+            <p:nvPr/>
+          </p:nvSpPr>
+          <p:spPr bwMode="auto">
+            <a:xfrm>
+              <a:off x="8158287" y="1561515"/>
+              <a:ext cx="3546033" cy="1887082"/>
+            </a:xfrm>
+            <a:prstGeom prst="cloud">
+              <a:avLst/>
+            </a:prstGeom>
+            <a:solidFill>
+              <a:schemeClr val="tx2">
+                <a:alpha val="80000"/>
+              </a:schemeClr>
+            </a:solidFill>
+            <a:ln w="19050">
+              <a:solidFill>
+                <a:schemeClr val="tx1">
+                  <a:lumMod val="75000"/>
+                  <a:alpha val="80000"/>
+                </a:schemeClr>
+              </a:solidFill>
+            </a:ln>
+            <a:effectLst/>
+          </p:spPr>
+          <p:style>
+            <a:lnRef idx="2">
+              <a:schemeClr val="accent1">
+                <a:shade val="50000"/>
+              </a:schemeClr>
+            </a:lnRef>
+            <a:fillRef idx="1001">
+              <a:schemeClr val="dk2"/>
+            </a:fillRef>
+            <a:effectRef idx="0">
+              <a:schemeClr val="accent1"/>
+            </a:effectRef>
+            <a:fontRef idx="minor">
+              <a:schemeClr val="lt1"/>
+            </a:fontRef>
+          </p:style>
+          <p:txBody>
+            <a:bodyPr rot="0" spcFirstLastPara="0" vertOverflow="overflow" horzOverflow="overflow" vert="horz" wrap="square" lIns="91440" tIns="45720" rIns="91440" bIns="45720" numCol="1" spcCol="0" rtlCol="0" fromWordArt="0" anchor="ctr" anchorCtr="0" forceAA="0" compatLnSpc="1">
+              <a:prstTxWarp prst="textNoShape">
+                <a:avLst/>
+              </a:prstTxWarp>
+              <a:noAutofit/>
+            </a:bodyPr>
+            <a:lstStyle/>
+            <a:p>
+              <a:pPr algn="ctr"/>
+              <a:r>
+                <a:rPr lang="bg-BG" sz="2800" b="1" dirty="0" smtClean="0">
+                  <a:solidFill>
+                    <a:srgbClr val="FFFFFF"/>
+                  </a:solidFill>
+                  <a:effectLst>
+                    <a:outerShdw blurRad="38100" dist="38100" dir="2700000" algn="tl">
+                      <a:srgbClr val="000000">
+                        <a:alpha val="43137"/>
+                      </a:srgbClr>
+                    </a:outerShdw>
+                  </a:effectLst>
+                </a:rPr>
+                <a:t>Управляваща програма на периферно устройство</a:t>
+              </a:r>
+              <a:endParaRPr lang="bg-BG" sz="2800" b="1" dirty="0">
+                <a:solidFill>
+                  <a:srgbClr val="FFFFFF"/>
+                </a:solidFill>
+                <a:effectLst>
+                  <a:outerShdw blurRad="38100" dist="38100" dir="2700000" algn="tl">
+                    <a:srgbClr val="000000">
+                      <a:alpha val="43137"/>
+                    </a:srgbClr>
+                  </a:outerShdw>
+                </a:effectLst>
+              </a:endParaRPr>
+            </a:p>
+          </p:txBody>
+        </p:sp>
+      </p:grpSp>
+    </p:spTree>
+    <p:extLst>
+      <p:ext uri="{BB962C8B-B14F-4D97-AF65-F5344CB8AC3E}">
+        <p14:creationId xmlns:p14="http://schemas.microsoft.com/office/powerpoint/2010/main" val="320356295"/>
+      </p:ext>
+    </p:extLst>
+  </p:cSld>
+  <p:clrMapOvr>
+    <a:masterClrMapping/>
+  </p:clrMapOvr>
+  <mc:AlternateContent xmlns:mc="http://schemas.openxmlformats.org/markup-compatibility/2006" xmlns:p14="http://schemas.microsoft.com/office/powerpoint/2010/main">
+    <mc:Choice Requires="p14">
+      <p:transition spd="slow" p14:dur="2000" advClick="0" advTm="5000"/>
+    </mc:Choice>
+    <mc:Fallback xmlns="">
+      <p:transition spd="slow" advClick="0" advTm="5000"/>
+    </mc:Fallback>
+  </mc:AlternateContent>
+  <p:timing>
+    <p:tnLst>
+      <p:par>
+        <p:cTn id="1" dur="indefinite" restart="never" nodeType="tmRoot">
+          <p:childTnLst>
+            <p:seq concurrent="1" nextAc="seek">
+              <p:cTn id="2" dur="indefinite" nodeType="mainSeq">
+                <p:childTnLst>
+                  <p:par>
+                    <p:cTn id="3" fill="hold">
+                      <p:stCondLst>
+                        <p:cond delay="indefinite"/>
+                      </p:stCondLst>
+                      <p:childTnLst>
+                        <p:par>
+                          <p:cTn id="4" fill="hold">
+                            <p:stCondLst>
+                              <p:cond delay="0"/>
+                            </p:stCondLst>
+                            <p:childTnLst>
+                              <p:par>
+                                <p:cTn id="5" presetID="1" presetClass="entr" presetSubtype="0" fill="hold" nodeType="clickEffect">
+                                  <p:stCondLst>
+                                    <p:cond delay="0"/>
+                                  </p:stCondLst>
+                                  <p:childTnLst>
+                                    <p:set>
+                                      <p:cBhvr>
+                                        <p:cTn id="6" dur="1" fill="hold">
+                                          <p:stCondLst>
+                                            <p:cond delay="0"/>
+                                          </p:stCondLst>
+                                        </p:cTn>
+                                        <p:tgtEl>
+                                          <p:spTgt spid="30"/>
+                                        </p:tgtEl>
+                                        <p:attrNameLst>
+                                          <p:attrName>style.visibility</p:attrName>
+                                        </p:attrNameLst>
+                                      </p:cBhvr>
+                                      <p:to>
+                                        <p:strVal val="visible"/>
+                                      </p:to>
+                                    </p:set>
+                                  </p:childTnLst>
+                                </p:cTn>
+                              </p:par>
+                            </p:childTnLst>
+                          </p:cTn>
+                        </p:par>
+                      </p:childTnLst>
+                    </p:cTn>
+                  </p:par>
+                  <p:par>
+                    <p:cTn id="7" fill="hold">
+                      <p:stCondLst>
+                        <p:cond delay="indefinite"/>
+                      </p:stCondLst>
+                      <p:childTnLst>
+                        <p:par>
+                          <p:cTn id="8" fill="hold">
+                            <p:stCondLst>
+                              <p:cond delay="0"/>
+                            </p:stCondLst>
+                            <p:childTnLst>
+                              <p:par>
+                                <p:cTn id="9" presetID="1" presetClass="entr" presetSubtype="0" fill="hold" nodeType="clickEffect">
+                                  <p:stCondLst>
+                                    <p:cond delay="0"/>
+                                  </p:stCondLst>
+                                  <p:childTnLst>
+                                    <p:set>
+                                      <p:cBhvr>
+                                        <p:cTn id="10" dur="1" fill="hold">
+                                          <p:stCondLst>
+                                            <p:cond delay="0"/>
+                                          </p:stCondLst>
+                                        </p:cTn>
+                                        <p:tgtEl>
+                                          <p:spTgt spid="31"/>
+                                        </p:tgtEl>
+                                        <p:attrNameLst>
+                                          <p:attrName>style.visibility</p:attrName>
+                                        </p:attrNameLst>
+                                      </p:cBhvr>
+                                      <p:to>
+                                        <p:strVal val="visible"/>
+                                      </p:to>
+                                    </p:set>
+                                  </p:childTnLst>
+                                </p:cTn>
+                              </p:par>
+                            </p:childTnLst>
+                          </p:cTn>
+                        </p:par>
+                      </p:childTnLst>
+                    </p:cTn>
+                  </p:par>
+                  <p:par>
+                    <p:cTn id="11" fill="hold">
+                      <p:stCondLst>
+                        <p:cond delay="indefinite"/>
+                      </p:stCondLst>
+                      <p:childTnLst>
+                        <p:par>
+                          <p:cTn id="12" fill="hold">
+                            <p:stCondLst>
+                              <p:cond delay="0"/>
+                            </p:stCondLst>
+                            <p:childTnLst>
+                              <p:par>
+                                <p:cTn id="13" presetID="1" presetClass="entr" presetSubtype="0" fill="hold" nodeType="clickEffect">
+                                  <p:stCondLst>
+                                    <p:cond delay="0"/>
+                                  </p:stCondLst>
+                                  <p:childTnLst>
+                                    <p:set>
+                                      <p:cBhvr>
+                                        <p:cTn id="14" dur="1" fill="hold">
+                                          <p:stCondLst>
+                                            <p:cond delay="0"/>
+                                          </p:stCondLst>
+                                        </p:cTn>
+                                        <p:tgtEl>
+                                          <p:spTgt spid="35"/>
+                                        </p:tgtEl>
+                                        <p:attrNameLst>
+                                          <p:attrName>style.visibility</p:attrName>
+                                        </p:attrNameLst>
+                                      </p:cBhvr>
+                                      <p:to>
+                                        <p:strVal val="visible"/>
+                                      </p:to>
+                                    </p:set>
+                                  </p:childTnLst>
+                                </p:cTn>
+                              </p:par>
+                            </p:childTnLst>
+                          </p:cTn>
+                        </p:par>
+                      </p:childTnLst>
+                    </p:cTn>
+                  </p:par>
+                  <p:par>
+                    <p:cTn id="15" fill="hold">
+                      <p:stCondLst>
+                        <p:cond delay="indefinite"/>
+                      </p:stCondLst>
+                      <p:childTnLst>
+                        <p:par>
+                          <p:cTn id="16" fill="hold">
+                            <p:stCondLst>
+                              <p:cond delay="0"/>
+                            </p:stCondLst>
+                            <p:childTnLst>
+                              <p:par>
+                                <p:cTn id="17" presetID="1" presetClass="entr" presetSubtype="0" fill="hold" nodeType="clickEffect">
+                                  <p:stCondLst>
+                                    <p:cond delay="0"/>
+                                  </p:stCondLst>
+                                  <p:childTnLst>
+                                    <p:set>
+                                      <p:cBhvr>
+                                        <p:cTn id="18" dur="1" fill="hold">
+                                          <p:stCondLst>
+                                            <p:cond delay="0"/>
+                                          </p:stCondLst>
+                                        </p:cTn>
+                                        <p:tgtEl>
+                                          <p:spTgt spid="32"/>
+                                        </p:tgtEl>
+                                        <p:attrNameLst>
+                                          <p:attrName>style.visibility</p:attrName>
+                                        </p:attrNameLst>
+                                      </p:cBhvr>
+                                      <p:to>
+                                        <p:strVal val="visible"/>
+                                      </p:to>
+                                    </p:set>
+                                  </p:childTnLst>
+                                </p:cTn>
+                              </p:par>
+                            </p:childTnLst>
+                          </p:cTn>
+                        </p:par>
+                      </p:childTnLst>
+                    </p:cTn>
+                  </p:par>
+                </p:childTnLst>
+              </p:cTn>
+              <p:prevCondLst>
+                <p:cond evt="onPrev" delay="0">
+                  <p:tgtEl>
+                    <p:sldTgt/>
+                  </p:tgtEl>
+                </p:cond>
+              </p:prevCondLst>
+              <p:nextCondLst>
+                <p:cond evt="onNext" delay="0">
+                  <p:tgtEl>
+                    <p:sldTgt/>
+                  </p:tgtEl>
+                </p:cond>
+              </p:nextCondLst>
+            </p:seq>
+          </p:childTnLst>
+        </p:cTn>
+      </p:par>
+    </p:tnLst>
+  </p:timing>
+</p:sld>
+</file>
+
+<file path=ppt/slides/slide15.xml><?xml version="1.0" encoding="utf-8"?>
+<p:sld xmlns:a="http://schemas.openxmlformats.org/drawingml/2006/main" xmlns:r="http://schemas.openxmlformats.org/officeDocument/2006/relationships" xmlns:p="http://schemas.openxmlformats.org/presentationml/2006/main">
+  <p:cSld>
+    <p:spTree>
+      <p:nvGrpSpPr>
+        <p:cNvPr id="1" name=""/>
+        <p:cNvGrpSpPr/>
+        <p:nvPr/>
+      </p:nvGrpSpPr>
+      <p:grpSpPr>
+        <a:xfrm>
+          <a:off x="0" y="0"/>
+          <a:ext cx="0" cy="0"/>
+          <a:chOff x="0" y="0"/>
+          <a:chExt cx="0" cy="0"/>
+        </a:xfrm>
+      </p:grpSpPr>
+      <p:sp>
+        <p:nvSpPr>
           <p:cNvPr id="5" name="Text Placeholder 4">
             <a:extLst>
               <a:ext uri="{FF2B5EF4-FFF2-40B4-BE49-F238E27FC236}">
@@ -13592,7 +15314,7 @@
             <a:fld id="{C014DD1E-5D91-48A3-AD6D-45FBA980D106}" type="slidenum">
               <a:rPr lang="en-US" smtClean="0"/>
               <a:pPr/>
-              <a:t>14</a:t>
+              <a:t>15</a:t>
             </a:fld>
             <a:endParaRPr lang="en-US" dirty="0"/>
           </a:p>
@@ -13650,7 +15372,7 @@
 </p:sld>
 </file>
 
-<file path=ppt/slides/slide15.xml><?xml version="1.0" encoding="utf-8"?>
+<file path=ppt/slides/slide16.xml><?xml version="1.0" encoding="utf-8"?>
 <p:sld xmlns:a="http://schemas.openxmlformats.org/drawingml/2006/main" xmlns:r="http://schemas.openxmlformats.org/officeDocument/2006/relationships" xmlns:p="http://schemas.openxmlformats.org/presentationml/2006/main">
   <p:cSld>
     <p:spTree>
@@ -14146,7 +15868,7 @@
 </p:sld>
 </file>
 
-<file path=ppt/slides/slide16.xml><?xml version="1.0" encoding="utf-8"?>
+<file path=ppt/slides/slide17.xml><?xml version="1.0" encoding="utf-8"?>
 <p:sld xmlns:a="http://schemas.openxmlformats.org/drawingml/2006/main" xmlns:r="http://schemas.openxmlformats.org/officeDocument/2006/relationships" xmlns:p="http://schemas.openxmlformats.org/presentationml/2006/main">
   <p:cSld>
     <p:spTree>
@@ -14306,7 +16028,7 @@
             <a:fld id="{C014DD1E-5D91-48A3-AD6D-45FBA980D106}" type="slidenum">
               <a:rPr lang="en-US" smtClean="0"/>
               <a:pPr/>
-              <a:t>16</a:t>
+              <a:t>17</a:t>
             </a:fld>
             <a:endParaRPr lang="en-US" dirty="0"/>
           </a:p>
@@ -15300,7 +17022,7 @@
 </p:sld>
 </file>
 
-<file path=ppt/slides/slide17.xml><?xml version="1.0" encoding="utf-8"?>
+<file path=ppt/slides/slide18.xml><?xml version="1.0" encoding="utf-8"?>
 <p:sld xmlns:a="http://schemas.openxmlformats.org/drawingml/2006/main" xmlns:r="http://schemas.openxmlformats.org/officeDocument/2006/relationships" xmlns:p="http://schemas.openxmlformats.org/presentationml/2006/main">
   <p:cSld>
     <p:spTree>
@@ -15378,7 +17100,7 @@
 </p:sld>
 </file>
 
-<file path=ppt/slides/slide18.xml><?xml version="1.0" encoding="utf-8"?>
+<file path=ppt/slides/slide19.xml><?xml version="1.0" encoding="utf-8"?>
 <p:sld xmlns:a="http://schemas.openxmlformats.org/drawingml/2006/main" xmlns:r="http://schemas.openxmlformats.org/officeDocument/2006/relationships" xmlns:p="http://schemas.openxmlformats.org/presentationml/2006/main">
   <p:cSld>
     <p:spTree>
@@ -15497,7 +17219,7 @@
             <a:fld id="{C014DD1E-5D91-48A3-AD6D-45FBA980D106}" type="slidenum">
               <a:rPr lang="en-US" smtClean="0"/>
               <a:pPr/>
-              <a:t>18</a:t>
+              <a:t>19</a:t>
             </a:fld>
             <a:endParaRPr lang="en-US" dirty="0"/>
           </a:p>
